--- a/Documents/Meeting Updates/MarchingMasters-0119.pptx
+++ b/Documents/Meeting Updates/MarchingMasters-0119.pptx
@@ -3836,7 +3836,7 @@
             <a:pPr lvl="1"/>
             <a:r>
               <a:rPr lang="en-US" sz="2000" dirty="0"/>
-              <a:t>Made a decision on Bluetooth Beacons</a:t>
+              <a:t>Exploring alternative options from POC technology research</a:t>
             </a:r>
           </a:p>
           <a:p>
@@ -4312,7 +4312,7 @@
             <a:pPr lvl="1"/>
             <a:r>
               <a:rPr lang="en-US" sz="2000" dirty="0"/>
-              <a:t>Continue work on Software Design.</a:t>
+              <a:t>Begin work on Software Design.</a:t>
             </a:r>
           </a:p>
           <a:p>
